--- a/宣道詩/(宣道詩93)信心得勝.pptx
+++ b/宣道詩/(宣道詩93)信心得勝.pptx
@@ -324,7 +324,7 @@
           <a:p>
             <a:fld id="{AEA4D4CE-376C-4C5E-AE82-4EE4564C79FE}" type="datetimeFigureOut">
               <a:rPr lang="zh-TW" altLang="en-US" smtClean="0"/>
-              <a:t>2021/7/13</a:t>
+              <a:t>2023/1/14</a:t>
             </a:fld>
             <a:endParaRPr lang="zh-TW" altLang="en-US"/>
           </a:p>
@@ -494,7 +494,7 @@
           <a:p>
             <a:fld id="{AEA4D4CE-376C-4C5E-AE82-4EE4564C79FE}" type="datetimeFigureOut">
               <a:rPr lang="zh-TW" altLang="en-US" smtClean="0"/>
-              <a:t>2021/7/13</a:t>
+              <a:t>2023/1/14</a:t>
             </a:fld>
             <a:endParaRPr lang="zh-TW" altLang="en-US"/>
           </a:p>
@@ -674,7 +674,7 @@
           <a:p>
             <a:fld id="{AEA4D4CE-376C-4C5E-AE82-4EE4564C79FE}" type="datetimeFigureOut">
               <a:rPr lang="zh-TW" altLang="en-US" smtClean="0"/>
-              <a:t>2021/7/13</a:t>
+              <a:t>2023/1/14</a:t>
             </a:fld>
             <a:endParaRPr lang="zh-TW" altLang="en-US"/>
           </a:p>
@@ -844,7 +844,7 @@
           <a:p>
             <a:fld id="{AEA4D4CE-376C-4C5E-AE82-4EE4564C79FE}" type="datetimeFigureOut">
               <a:rPr lang="zh-TW" altLang="en-US" smtClean="0"/>
-              <a:t>2021/7/13</a:t>
+              <a:t>2023/1/14</a:t>
             </a:fld>
             <a:endParaRPr lang="zh-TW" altLang="en-US"/>
           </a:p>
@@ -1090,7 +1090,7 @@
           <a:p>
             <a:fld id="{AEA4D4CE-376C-4C5E-AE82-4EE4564C79FE}" type="datetimeFigureOut">
               <a:rPr lang="zh-TW" altLang="en-US" smtClean="0"/>
-              <a:t>2021/7/13</a:t>
+              <a:t>2023/1/14</a:t>
             </a:fld>
             <a:endParaRPr lang="zh-TW" altLang="en-US"/>
           </a:p>
@@ -1378,7 +1378,7 @@
           <a:p>
             <a:fld id="{AEA4D4CE-376C-4C5E-AE82-4EE4564C79FE}" type="datetimeFigureOut">
               <a:rPr lang="zh-TW" altLang="en-US" smtClean="0"/>
-              <a:t>2021/7/13</a:t>
+              <a:t>2023/1/14</a:t>
             </a:fld>
             <a:endParaRPr lang="zh-TW" altLang="en-US"/>
           </a:p>
@@ -1800,7 +1800,7 @@
           <a:p>
             <a:fld id="{AEA4D4CE-376C-4C5E-AE82-4EE4564C79FE}" type="datetimeFigureOut">
               <a:rPr lang="zh-TW" altLang="en-US" smtClean="0"/>
-              <a:t>2021/7/13</a:t>
+              <a:t>2023/1/14</a:t>
             </a:fld>
             <a:endParaRPr lang="zh-TW" altLang="en-US"/>
           </a:p>
@@ -1918,7 +1918,7 @@
           <a:p>
             <a:fld id="{AEA4D4CE-376C-4C5E-AE82-4EE4564C79FE}" type="datetimeFigureOut">
               <a:rPr lang="zh-TW" altLang="en-US" smtClean="0"/>
-              <a:t>2021/7/13</a:t>
+              <a:t>2023/1/14</a:t>
             </a:fld>
             <a:endParaRPr lang="zh-TW" altLang="en-US"/>
           </a:p>
@@ -2013,7 +2013,7 @@
           <a:p>
             <a:fld id="{AEA4D4CE-376C-4C5E-AE82-4EE4564C79FE}" type="datetimeFigureOut">
               <a:rPr lang="zh-TW" altLang="en-US" smtClean="0"/>
-              <a:t>2021/7/13</a:t>
+              <a:t>2023/1/14</a:t>
             </a:fld>
             <a:endParaRPr lang="zh-TW" altLang="en-US"/>
           </a:p>
@@ -2290,7 +2290,7 @@
           <a:p>
             <a:fld id="{AEA4D4CE-376C-4C5E-AE82-4EE4564C79FE}" type="datetimeFigureOut">
               <a:rPr lang="zh-TW" altLang="en-US" smtClean="0"/>
-              <a:t>2021/7/13</a:t>
+              <a:t>2023/1/14</a:t>
             </a:fld>
             <a:endParaRPr lang="zh-TW" altLang="en-US"/>
           </a:p>
@@ -2547,7 +2547,7 @@
           <a:p>
             <a:fld id="{AEA4D4CE-376C-4C5E-AE82-4EE4564C79FE}" type="datetimeFigureOut">
               <a:rPr lang="zh-TW" altLang="en-US" smtClean="0"/>
-              <a:t>2021/7/13</a:t>
+              <a:t>2023/1/14</a:t>
             </a:fld>
             <a:endParaRPr lang="zh-TW" altLang="en-US"/>
           </a:p>
@@ -2765,7 +2765,7 @@
           <a:p>
             <a:fld id="{AEA4D4CE-376C-4C5E-AE82-4EE4564C79FE}" type="datetimeFigureOut">
               <a:rPr lang="zh-TW" altLang="en-US" smtClean="0"/>
-              <a:t>2021/7/13</a:t>
+              <a:t>2023/1/14</a:t>
             </a:fld>
             <a:endParaRPr lang="zh-TW" altLang="en-US"/>
           </a:p>
@@ -3244,24 +3244,7 @@
                 <a:latin typeface="微軟正黑體" pitchFamily="34" charset="-120"/>
                 <a:ea typeface="微軟正黑體" pitchFamily="34" charset="-120"/>
               </a:rPr>
-              <a:t>信</a:t>
-            </a:r>
-            <a:r>
-              <a:rPr lang="zh-TW" altLang="en-US" sz="8000" b="1" dirty="0">
-                <a:solidFill>
-                  <a:srgbClr val="660033"/>
-                </a:solidFill>
-                <a:effectLst>
-                  <a:outerShdw blurRad="38100" dist="38100" dir="2700000" algn="tl">
-                    <a:srgbClr val="000000">
-                      <a:alpha val="43137"/>
-                    </a:srgbClr>
-                  </a:outerShdw>
-                </a:effectLst>
-                <a:latin typeface="微軟正黑體" pitchFamily="34" charset="-120"/>
-                <a:ea typeface="微軟正黑體" pitchFamily="34" charset="-120"/>
-              </a:rPr>
-              <a:t>心得勝</a:t>
+              <a:t>信心得勝</a:t>
             </a:r>
           </a:p>
         </p:txBody>
@@ -3365,7 +3348,7 @@
         <p:spPr>
           <a:xfrm>
             <a:off x="0" y="5071885"/>
-            <a:ext cx="12192000" cy="923330"/>
+            <a:ext cx="12192000" cy="707886"/>
           </a:xfrm>
           <a:prstGeom prst="rect">
             <a:avLst/>
@@ -3380,14 +3363,14 @@
           <a:p>
             <a:pPr algn="ctr"/>
             <a:r>
-              <a:rPr lang="en-US" sz="5400" b="1" dirty="0">
-                <a:solidFill>
-                  <a:srgbClr val="660033"/>
-                </a:solidFill>
-              </a:rPr>
-              <a:t>( 2 )</a:t>
-            </a:r>
-            <a:endParaRPr lang="vi-VN" sz="5400" b="1" dirty="0">
+              <a:rPr lang="en-US" sz="4000" b="1" dirty="0">
+                <a:solidFill>
+                  <a:srgbClr val="660033"/>
+                </a:solidFill>
+              </a:rPr>
+              <a:t>( 2 / 4 )</a:t>
+            </a:r>
+            <a:endParaRPr lang="vi-VN" sz="4000" b="1" dirty="0">
               <a:solidFill>
                 <a:srgbClr val="660033"/>
               </a:solidFill>
@@ -3465,8 +3448,13 @@
                 <a:latin typeface="Microsoft JhengHei" panose="020B0604030504040204" pitchFamily="34" charset="-120"/>
                 <a:ea typeface="Microsoft JhengHei" panose="020B0604030504040204" pitchFamily="34" charset="-120"/>
               </a:rPr>
-              <a:t>信心使我得</a:t>
-            </a:r>
+              <a:t>信心使我得勝  信心使我得勝</a:t>
+            </a:r>
+          </a:p>
+          <a:p>
+            <a:pPr algn="ctr">
+              <a:buNone/>
+            </a:pPr>
             <a:r>
               <a:rPr lang="zh-TW" altLang="en-US" sz="6400" b="1" dirty="0">
                 <a:solidFill>
@@ -3475,52 +3463,7 @@
                 <a:latin typeface="Microsoft JhengHei" panose="020B0604030504040204" pitchFamily="34" charset="-120"/>
                 <a:ea typeface="Microsoft JhengHei" panose="020B0604030504040204" pitchFamily="34" charset="-120"/>
               </a:rPr>
-              <a:t>勝  信</a:t>
-            </a:r>
-            <a:r>
-              <a:rPr lang="zh-TW" altLang="en-US" sz="6400" b="1" dirty="0">
-                <a:solidFill>
-                  <a:srgbClr val="660033"/>
-                </a:solidFill>
-                <a:latin typeface="Microsoft JhengHei" panose="020B0604030504040204" pitchFamily="34" charset="-120"/>
-                <a:ea typeface="Microsoft JhengHei" panose="020B0604030504040204" pitchFamily="34" charset="-120"/>
-              </a:rPr>
-              <a:t>心使我得勝</a:t>
-            </a:r>
-          </a:p>
-          <a:p>
-            <a:pPr algn="ctr">
-              <a:buNone/>
-            </a:pPr>
-            <a:r>
-              <a:rPr lang="zh-TW" altLang="en-US" sz="6400" b="1" dirty="0">
-                <a:solidFill>
-                  <a:srgbClr val="660033"/>
-                </a:solidFill>
-                <a:latin typeface="Microsoft JhengHei" panose="020B0604030504040204" pitchFamily="34" charset="-120"/>
-                <a:ea typeface="Microsoft JhengHei" panose="020B0604030504040204" pitchFamily="34" charset="-120"/>
-              </a:rPr>
-              <a:t>呵奇妙的大得</a:t>
-            </a:r>
-            <a:r>
-              <a:rPr lang="zh-TW" altLang="en-US" sz="6400" b="1" dirty="0">
-                <a:solidFill>
-                  <a:srgbClr val="660033"/>
-                </a:solidFill>
-                <a:latin typeface="Microsoft JhengHei" panose="020B0604030504040204" pitchFamily="34" charset="-120"/>
-                <a:ea typeface="Microsoft JhengHei" panose="020B0604030504040204" pitchFamily="34" charset="-120"/>
-              </a:rPr>
-              <a:t>勝  信</a:t>
-            </a:r>
-            <a:r>
-              <a:rPr lang="zh-TW" altLang="en-US" sz="6400" b="1" dirty="0">
-                <a:solidFill>
-                  <a:srgbClr val="660033"/>
-                </a:solidFill>
-                <a:latin typeface="Microsoft JhengHei" panose="020B0604030504040204" pitchFamily="34" charset="-120"/>
-                <a:ea typeface="Microsoft JhengHei" panose="020B0604030504040204" pitchFamily="34" charset="-120"/>
-              </a:rPr>
-              <a:t>心可勝世界</a:t>
+              <a:t>呵奇妙的大得勝  信心可勝世界</a:t>
             </a:r>
           </a:p>
         </p:txBody>
@@ -3624,7 +3567,7 @@
         <p:spPr>
           <a:xfrm>
             <a:off x="0" y="5071885"/>
-            <a:ext cx="12192000" cy="923330"/>
+            <a:ext cx="12192000" cy="707886"/>
           </a:xfrm>
           <a:prstGeom prst="rect">
             <a:avLst/>
@@ -3639,14 +3582,30 @@
           <a:p>
             <a:pPr algn="ctr"/>
             <a:r>
-              <a:rPr lang="en-US" sz="5400" b="1" dirty="0">
-                <a:solidFill>
-                  <a:srgbClr val="660033"/>
-                </a:solidFill>
-              </a:rPr>
-              <a:t>( 3 )</a:t>
-            </a:r>
-            <a:endParaRPr lang="vi-VN" sz="5400" b="1" dirty="0">
+              <a:rPr lang="en-US" sz="4000" b="1" dirty="0">
+                <a:solidFill>
+                  <a:srgbClr val="660033"/>
+                </a:solidFill>
+              </a:rPr>
+              <a:t>( </a:t>
+            </a:r>
+            <a:r>
+              <a:rPr lang="en-US" sz="4000" b="1" dirty="0">
+                <a:solidFill>
+                  <a:srgbClr val="660033"/>
+                </a:solidFill>
+              </a:rPr>
+              <a:t>3 </a:t>
+            </a:r>
+            <a:r>
+              <a:rPr lang="en-US" sz="4000" b="1" dirty="0">
+                <a:solidFill>
+                  <a:srgbClr val="660033"/>
+                </a:solidFill>
+              </a:rPr>
+              <a:t>/ 4 )</a:t>
+            </a:r>
+            <a:endParaRPr lang="vi-VN" sz="4000" b="1" dirty="0">
               <a:solidFill>
                 <a:srgbClr val="660033"/>
               </a:solidFill>
@@ -3770,7 +3729,7 @@
         <p:spPr>
           <a:xfrm>
             <a:off x="0" y="5071885"/>
-            <a:ext cx="12192000" cy="923330"/>
+            <a:ext cx="12192000" cy="707886"/>
           </a:xfrm>
           <a:prstGeom prst="rect">
             <a:avLst/>
@@ -3785,14 +3744,14 @@
           <a:p>
             <a:pPr algn="ctr"/>
             <a:r>
-              <a:rPr lang="en-US" sz="5400" b="1" dirty="0">
-                <a:solidFill>
-                  <a:srgbClr val="660033"/>
-                </a:solidFill>
-              </a:rPr>
-              <a:t>( 3 )</a:t>
-            </a:r>
-            <a:endParaRPr lang="vi-VN" sz="5400" b="1" dirty="0">
+              <a:rPr lang="en-US" sz="4000" b="1" dirty="0">
+                <a:solidFill>
+                  <a:srgbClr val="660033"/>
+                </a:solidFill>
+              </a:rPr>
+              <a:t>( 3 / 4 )</a:t>
+            </a:r>
+            <a:endParaRPr lang="vi-VN" sz="4000" b="1" dirty="0">
               <a:solidFill>
                 <a:srgbClr val="660033"/>
               </a:solidFill>
@@ -3919,7 +3878,7 @@
         <p:spPr>
           <a:xfrm>
             <a:off x="0" y="5071885"/>
-            <a:ext cx="12192000" cy="923330"/>
+            <a:ext cx="12192000" cy="707886"/>
           </a:xfrm>
           <a:prstGeom prst="rect">
             <a:avLst/>
@@ -3934,14 +3893,14 @@
           <a:p>
             <a:pPr algn="ctr"/>
             <a:r>
-              <a:rPr lang="en-US" sz="5400" b="1" dirty="0">
-                <a:solidFill>
-                  <a:srgbClr val="660033"/>
-                </a:solidFill>
-              </a:rPr>
-              <a:t>( 3 )</a:t>
-            </a:r>
-            <a:endParaRPr lang="vi-VN" sz="5400" b="1" dirty="0">
+              <a:rPr lang="en-US" sz="4000" b="1" dirty="0">
+                <a:solidFill>
+                  <a:srgbClr val="660033"/>
+                </a:solidFill>
+              </a:rPr>
+              <a:t>( 3 / 4 )</a:t>
+            </a:r>
+            <a:endParaRPr lang="vi-VN" sz="4000" b="1" dirty="0">
               <a:solidFill>
                 <a:srgbClr val="660033"/>
               </a:solidFill>
@@ -4068,7 +4027,7 @@
         <p:spPr>
           <a:xfrm>
             <a:off x="0" y="5071885"/>
-            <a:ext cx="12192000" cy="923330"/>
+            <a:ext cx="12192000" cy="707886"/>
           </a:xfrm>
           <a:prstGeom prst="rect">
             <a:avLst/>
@@ -4083,14 +4042,14 @@
           <a:p>
             <a:pPr algn="ctr"/>
             <a:r>
-              <a:rPr lang="en-US" sz="5400" b="1" dirty="0">
-                <a:solidFill>
-                  <a:srgbClr val="660033"/>
-                </a:solidFill>
-              </a:rPr>
-              <a:t>( 3 )</a:t>
-            </a:r>
-            <a:endParaRPr lang="vi-VN" sz="5400" b="1" dirty="0">
+              <a:rPr lang="en-US" sz="4000" b="1" dirty="0">
+                <a:solidFill>
+                  <a:srgbClr val="660033"/>
+                </a:solidFill>
+              </a:rPr>
+              <a:t>( 3 / 4 )</a:t>
+            </a:r>
+            <a:endParaRPr lang="vi-VN" sz="4000" b="1" dirty="0">
               <a:solidFill>
                 <a:srgbClr val="660033"/>
               </a:solidFill>
@@ -4168,8 +4127,13 @@
                 <a:latin typeface="Microsoft JhengHei" panose="020B0604030504040204" pitchFamily="34" charset="-120"/>
                 <a:ea typeface="Microsoft JhengHei" panose="020B0604030504040204" pitchFamily="34" charset="-120"/>
               </a:rPr>
-              <a:t>信心使我得</a:t>
-            </a:r>
+              <a:t>信心使我得勝  信心使我得勝</a:t>
+            </a:r>
+          </a:p>
+          <a:p>
+            <a:pPr algn="ctr">
+              <a:buNone/>
+            </a:pPr>
             <a:r>
               <a:rPr lang="zh-TW" altLang="en-US" sz="6400" b="1" dirty="0">
                 <a:solidFill>
@@ -4178,52 +4142,7 @@
                 <a:latin typeface="Microsoft JhengHei" panose="020B0604030504040204" pitchFamily="34" charset="-120"/>
                 <a:ea typeface="Microsoft JhengHei" panose="020B0604030504040204" pitchFamily="34" charset="-120"/>
               </a:rPr>
-              <a:t>勝  信</a:t>
-            </a:r>
-            <a:r>
-              <a:rPr lang="zh-TW" altLang="en-US" sz="6400" b="1" dirty="0">
-                <a:solidFill>
-                  <a:srgbClr val="660033"/>
-                </a:solidFill>
-                <a:latin typeface="Microsoft JhengHei" panose="020B0604030504040204" pitchFamily="34" charset="-120"/>
-                <a:ea typeface="Microsoft JhengHei" panose="020B0604030504040204" pitchFamily="34" charset="-120"/>
-              </a:rPr>
-              <a:t>心使我得勝</a:t>
-            </a:r>
-          </a:p>
-          <a:p>
-            <a:pPr algn="ctr">
-              <a:buNone/>
-            </a:pPr>
-            <a:r>
-              <a:rPr lang="zh-TW" altLang="en-US" sz="6400" b="1" dirty="0">
-                <a:solidFill>
-                  <a:srgbClr val="660033"/>
-                </a:solidFill>
-                <a:latin typeface="Microsoft JhengHei" panose="020B0604030504040204" pitchFamily="34" charset="-120"/>
-                <a:ea typeface="Microsoft JhengHei" panose="020B0604030504040204" pitchFamily="34" charset="-120"/>
-              </a:rPr>
-              <a:t>呵奇妙的大得</a:t>
-            </a:r>
-            <a:r>
-              <a:rPr lang="zh-TW" altLang="en-US" sz="6400" b="1" dirty="0">
-                <a:solidFill>
-                  <a:srgbClr val="660033"/>
-                </a:solidFill>
-                <a:latin typeface="Microsoft JhengHei" panose="020B0604030504040204" pitchFamily="34" charset="-120"/>
-                <a:ea typeface="Microsoft JhengHei" panose="020B0604030504040204" pitchFamily="34" charset="-120"/>
-              </a:rPr>
-              <a:t>勝  信</a:t>
-            </a:r>
-            <a:r>
-              <a:rPr lang="zh-TW" altLang="en-US" sz="6400" b="1" dirty="0">
-                <a:solidFill>
-                  <a:srgbClr val="660033"/>
-                </a:solidFill>
-                <a:latin typeface="Microsoft JhengHei" panose="020B0604030504040204" pitchFamily="34" charset="-120"/>
-                <a:ea typeface="Microsoft JhengHei" panose="020B0604030504040204" pitchFamily="34" charset="-120"/>
-              </a:rPr>
-              <a:t>心可勝世界</a:t>
+              <a:t>呵奇妙的大得勝  信心可勝世界</a:t>
             </a:r>
           </a:p>
         </p:txBody>
@@ -4327,7 +4246,7 @@
         <p:spPr>
           <a:xfrm>
             <a:off x="0" y="5071885"/>
-            <a:ext cx="12192000" cy="923330"/>
+            <a:ext cx="12192000" cy="707886"/>
           </a:xfrm>
           <a:prstGeom prst="rect">
             <a:avLst/>
@@ -4342,14 +4261,30 @@
           <a:p>
             <a:pPr algn="ctr"/>
             <a:r>
-              <a:rPr lang="en-US" sz="5400" b="1" dirty="0">
-                <a:solidFill>
-                  <a:srgbClr val="660033"/>
-                </a:solidFill>
-              </a:rPr>
-              <a:t>( 4 )</a:t>
-            </a:r>
-            <a:endParaRPr lang="vi-VN" sz="5400" b="1" dirty="0">
+              <a:rPr lang="en-US" sz="4000" b="1" dirty="0">
+                <a:solidFill>
+                  <a:srgbClr val="660033"/>
+                </a:solidFill>
+              </a:rPr>
+              <a:t>( </a:t>
+            </a:r>
+            <a:r>
+              <a:rPr lang="en-US" sz="4000" b="1" dirty="0">
+                <a:solidFill>
+                  <a:srgbClr val="660033"/>
+                </a:solidFill>
+              </a:rPr>
+              <a:t>4 </a:t>
+            </a:r>
+            <a:r>
+              <a:rPr lang="en-US" sz="4000" b="1" dirty="0">
+                <a:solidFill>
+                  <a:srgbClr val="660033"/>
+                </a:solidFill>
+              </a:rPr>
+              <a:t>/ 4 )</a:t>
+            </a:r>
+            <a:endParaRPr lang="vi-VN" sz="4000" b="1" dirty="0">
               <a:solidFill>
                 <a:srgbClr val="660033"/>
               </a:solidFill>
@@ -4466,7 +4401,7 @@
         <p:spPr>
           <a:xfrm>
             <a:off x="0" y="5071885"/>
-            <a:ext cx="12192000" cy="923330"/>
+            <a:ext cx="12192000" cy="707886"/>
           </a:xfrm>
           <a:prstGeom prst="rect">
             <a:avLst/>
@@ -4481,14 +4416,14 @@
           <a:p>
             <a:pPr algn="ctr"/>
             <a:r>
-              <a:rPr lang="en-US" sz="5400" b="1" dirty="0">
-                <a:solidFill>
-                  <a:srgbClr val="660033"/>
-                </a:solidFill>
-              </a:rPr>
-              <a:t>( 4 )</a:t>
-            </a:r>
-            <a:endParaRPr lang="vi-VN" sz="5400" b="1" dirty="0">
+              <a:rPr lang="en-US" sz="4000" b="1" dirty="0">
+                <a:solidFill>
+                  <a:srgbClr val="660033"/>
+                </a:solidFill>
+              </a:rPr>
+              <a:t>( 4 / 4 )</a:t>
+            </a:r>
+            <a:endParaRPr lang="vi-VN" sz="4000" b="1" dirty="0">
               <a:solidFill>
                 <a:srgbClr val="660033"/>
               </a:solidFill>
@@ -4595,7 +4530,7 @@
         <p:spPr>
           <a:xfrm>
             <a:off x="0" y="5071885"/>
-            <a:ext cx="12192000" cy="923330"/>
+            <a:ext cx="12192000" cy="707886"/>
           </a:xfrm>
           <a:prstGeom prst="rect">
             <a:avLst/>
@@ -4610,14 +4545,14 @@
           <a:p>
             <a:pPr algn="ctr"/>
             <a:r>
-              <a:rPr lang="en-US" sz="5400" b="1" dirty="0">
-                <a:solidFill>
-                  <a:srgbClr val="660033"/>
-                </a:solidFill>
-              </a:rPr>
-              <a:t>( 4 )</a:t>
-            </a:r>
-            <a:endParaRPr lang="vi-VN" sz="5400" b="1" dirty="0">
+              <a:rPr lang="en-US" sz="4000" b="1" dirty="0">
+                <a:solidFill>
+                  <a:srgbClr val="660033"/>
+                </a:solidFill>
+              </a:rPr>
+              <a:t>( 4 / 4 )</a:t>
+            </a:r>
+            <a:endParaRPr lang="vi-VN" sz="4000" b="1" dirty="0">
               <a:solidFill>
                 <a:srgbClr val="660033"/>
               </a:solidFill>
@@ -4695,8 +4630,13 @@
                 <a:latin typeface="Microsoft JhengHei" panose="020B0604030504040204" pitchFamily="34" charset="-120"/>
                 <a:ea typeface="Microsoft JhengHei" panose="020B0604030504040204" pitchFamily="34" charset="-120"/>
               </a:rPr>
-              <a:t>門</a:t>
-            </a:r>
+              <a:t>門徒在世仇敵甚多</a:t>
+            </a:r>
+          </a:p>
+          <a:p>
+            <a:pPr algn="ctr">
+              <a:buNone/>
+            </a:pPr>
             <a:r>
               <a:rPr lang="zh-TW" altLang="en-US" sz="6400" b="1" dirty="0">
                 <a:solidFill>
@@ -4705,40 +4645,8 @@
                 <a:latin typeface="Microsoft JhengHei" panose="020B0604030504040204" pitchFamily="34" charset="-120"/>
                 <a:ea typeface="Microsoft JhengHei" panose="020B0604030504040204" pitchFamily="34" charset="-120"/>
               </a:rPr>
-              <a:t>徒在世仇敵甚</a:t>
-            </a:r>
-            <a:r>
-              <a:rPr lang="zh-TW" altLang="en-US" sz="6400" b="1" dirty="0">
-                <a:solidFill>
-                  <a:srgbClr val="660033"/>
-                </a:solidFill>
-                <a:latin typeface="Microsoft JhengHei" panose="020B0604030504040204" pitchFamily="34" charset="-120"/>
-                <a:ea typeface="Microsoft JhengHei" panose="020B0604030504040204" pitchFamily="34" charset="-120"/>
-              </a:rPr>
-              <a:t>多</a:t>
-            </a:r>
-          </a:p>
-          <a:p>
-            <a:pPr algn="ctr">
-              <a:buNone/>
-            </a:pPr>
-            <a:r>
-              <a:rPr lang="zh-TW" altLang="en-US" sz="6400" b="1" dirty="0">
-                <a:solidFill>
-                  <a:srgbClr val="660033"/>
-                </a:solidFill>
-                <a:latin typeface="Microsoft JhengHei" panose="020B0604030504040204" pitchFamily="34" charset="-120"/>
-                <a:ea typeface="Microsoft JhengHei" panose="020B0604030504040204" pitchFamily="34" charset="-120"/>
-              </a:rPr>
               <a:t>一致攻擊主僕</a:t>
             </a:r>
-            <a:endParaRPr lang="zh-TW" altLang="en-US" sz="6400" b="1" dirty="0">
-              <a:solidFill>
-                <a:srgbClr val="660033"/>
-              </a:solidFill>
-              <a:latin typeface="Microsoft JhengHei" panose="020B0604030504040204" pitchFamily="34" charset="-120"/>
-              <a:ea typeface="Microsoft JhengHei" panose="020B0604030504040204" pitchFamily="34" charset="-120"/>
-            </a:endParaRPr>
           </a:p>
         </p:txBody>
       </p:sp>
@@ -4751,7 +4659,7 @@
         <p:spPr>
           <a:xfrm>
             <a:off x="0" y="5071885"/>
-            <a:ext cx="12192000" cy="923330"/>
+            <a:ext cx="12192000" cy="707886"/>
           </a:xfrm>
           <a:prstGeom prst="rect">
             <a:avLst/>
@@ -4766,14 +4674,30 @@
           <a:p>
             <a:pPr algn="ctr"/>
             <a:r>
-              <a:rPr lang="en-US" sz="5400" b="1" dirty="0">
-                <a:solidFill>
-                  <a:srgbClr val="660033"/>
-                </a:solidFill>
-              </a:rPr>
-              <a:t>( 1 )</a:t>
-            </a:r>
-            <a:endParaRPr lang="vi-VN" sz="5400" b="1" dirty="0">
+              <a:rPr lang="en-US" sz="4000" b="1" dirty="0">
+                <a:solidFill>
+                  <a:srgbClr val="660033"/>
+                </a:solidFill>
+              </a:rPr>
+              <a:t>( </a:t>
+            </a:r>
+            <a:r>
+              <a:rPr lang="en-US" sz="4000" b="1" dirty="0" smtClean="0">
+                <a:solidFill>
+                  <a:srgbClr val="660033"/>
+                </a:solidFill>
+              </a:rPr>
+              <a:t>1 / 4 </a:t>
+            </a:r>
+            <a:r>
+              <a:rPr lang="en-US" sz="4000" b="1" dirty="0">
+                <a:solidFill>
+                  <a:srgbClr val="660033"/>
+                </a:solidFill>
+              </a:rPr>
+              <a:t>)</a:t>
+            </a:r>
+            <a:endParaRPr lang="vi-VN" sz="4000" b="1" dirty="0">
               <a:solidFill>
                 <a:srgbClr val="660033"/>
               </a:solidFill>
@@ -4880,7 +4804,7 @@
         <p:spPr>
           <a:xfrm>
             <a:off x="0" y="5071885"/>
-            <a:ext cx="12192000" cy="923330"/>
+            <a:ext cx="12192000" cy="707886"/>
           </a:xfrm>
           <a:prstGeom prst="rect">
             <a:avLst/>
@@ -4895,14 +4819,14 @@
           <a:p>
             <a:pPr algn="ctr"/>
             <a:r>
-              <a:rPr lang="en-US" sz="5400" b="1" dirty="0">
-                <a:solidFill>
-                  <a:srgbClr val="660033"/>
-                </a:solidFill>
-              </a:rPr>
-              <a:t>( 4 )</a:t>
-            </a:r>
-            <a:endParaRPr lang="vi-VN" sz="5400" b="1" dirty="0">
+              <a:rPr lang="en-US" sz="4000" b="1" dirty="0">
+                <a:solidFill>
+                  <a:srgbClr val="660033"/>
+                </a:solidFill>
+              </a:rPr>
+              <a:t>( 4 / 4 )</a:t>
+            </a:r>
+            <a:endParaRPr lang="vi-VN" sz="4000" b="1" dirty="0">
               <a:solidFill>
                 <a:srgbClr val="660033"/>
               </a:solidFill>
@@ -4980,8 +4904,13 @@
                 <a:latin typeface="Microsoft JhengHei" panose="020B0604030504040204" pitchFamily="34" charset="-120"/>
                 <a:ea typeface="Microsoft JhengHei" panose="020B0604030504040204" pitchFamily="34" charset="-120"/>
               </a:rPr>
-              <a:t>信心使我得</a:t>
-            </a:r>
+              <a:t>信心使我得勝  信心使我得勝</a:t>
+            </a:r>
+          </a:p>
+          <a:p>
+            <a:pPr algn="ctr">
+              <a:buNone/>
+            </a:pPr>
             <a:r>
               <a:rPr lang="zh-TW" altLang="en-US" sz="6400" b="1" dirty="0">
                 <a:solidFill>
@@ -4990,52 +4919,7 @@
                 <a:latin typeface="Microsoft JhengHei" panose="020B0604030504040204" pitchFamily="34" charset="-120"/>
                 <a:ea typeface="Microsoft JhengHei" panose="020B0604030504040204" pitchFamily="34" charset="-120"/>
               </a:rPr>
-              <a:t>勝  信</a:t>
-            </a:r>
-            <a:r>
-              <a:rPr lang="zh-TW" altLang="en-US" sz="6400" b="1" dirty="0">
-                <a:solidFill>
-                  <a:srgbClr val="660033"/>
-                </a:solidFill>
-                <a:latin typeface="Microsoft JhengHei" panose="020B0604030504040204" pitchFamily="34" charset="-120"/>
-                <a:ea typeface="Microsoft JhengHei" panose="020B0604030504040204" pitchFamily="34" charset="-120"/>
-              </a:rPr>
-              <a:t>心使我得勝</a:t>
-            </a:r>
-          </a:p>
-          <a:p>
-            <a:pPr algn="ctr">
-              <a:buNone/>
-            </a:pPr>
-            <a:r>
-              <a:rPr lang="zh-TW" altLang="en-US" sz="6400" b="1" dirty="0">
-                <a:solidFill>
-                  <a:srgbClr val="660033"/>
-                </a:solidFill>
-                <a:latin typeface="Microsoft JhengHei" panose="020B0604030504040204" pitchFamily="34" charset="-120"/>
-                <a:ea typeface="Microsoft JhengHei" panose="020B0604030504040204" pitchFamily="34" charset="-120"/>
-              </a:rPr>
-              <a:t>呵奇妙的大得</a:t>
-            </a:r>
-            <a:r>
-              <a:rPr lang="zh-TW" altLang="en-US" sz="6400" b="1" dirty="0">
-                <a:solidFill>
-                  <a:srgbClr val="660033"/>
-                </a:solidFill>
-                <a:latin typeface="Microsoft JhengHei" panose="020B0604030504040204" pitchFamily="34" charset="-120"/>
-                <a:ea typeface="Microsoft JhengHei" panose="020B0604030504040204" pitchFamily="34" charset="-120"/>
-              </a:rPr>
-              <a:t>勝  信</a:t>
-            </a:r>
-            <a:r>
-              <a:rPr lang="zh-TW" altLang="en-US" sz="6400" b="1" dirty="0">
-                <a:solidFill>
-                  <a:srgbClr val="660033"/>
-                </a:solidFill>
-                <a:latin typeface="Microsoft JhengHei" panose="020B0604030504040204" pitchFamily="34" charset="-120"/>
-                <a:ea typeface="Microsoft JhengHei" panose="020B0604030504040204" pitchFamily="34" charset="-120"/>
-              </a:rPr>
-              <a:t>心可勝世界</a:t>
+              <a:t>呵奇妙的大得勝  信心可勝世界</a:t>
             </a:r>
           </a:p>
         </p:txBody>
@@ -5139,7 +5023,7 @@
         <p:spPr>
           <a:xfrm>
             <a:off x="0" y="5071885"/>
-            <a:ext cx="12192000" cy="923330"/>
+            <a:ext cx="12192000" cy="707886"/>
           </a:xfrm>
           <a:prstGeom prst="rect">
             <a:avLst/>
@@ -5154,14 +5038,14 @@
           <a:p>
             <a:pPr algn="ctr"/>
             <a:r>
-              <a:rPr lang="en-US" sz="5400" b="1" dirty="0">
-                <a:solidFill>
-                  <a:srgbClr val="660033"/>
-                </a:solidFill>
-              </a:rPr>
-              <a:t>( 1 )</a:t>
-            </a:r>
-            <a:endParaRPr lang="vi-VN" sz="5400" b="1" dirty="0">
+              <a:rPr lang="en-US" sz="4000" b="1" dirty="0">
+                <a:solidFill>
+                  <a:srgbClr val="660033"/>
+                </a:solidFill>
+              </a:rPr>
+              <a:t>( 1 / 4 )</a:t>
+            </a:r>
+            <a:endParaRPr lang="vi-VN" sz="4000" b="1" dirty="0">
               <a:solidFill>
                 <a:srgbClr val="660033"/>
               </a:solidFill>
@@ -5268,7 +5152,7 @@
         <p:spPr>
           <a:xfrm>
             <a:off x="0" y="5071885"/>
-            <a:ext cx="12192000" cy="923330"/>
+            <a:ext cx="12192000" cy="707886"/>
           </a:xfrm>
           <a:prstGeom prst="rect">
             <a:avLst/>
@@ -5283,14 +5167,14 @@
           <a:p>
             <a:pPr algn="ctr"/>
             <a:r>
-              <a:rPr lang="en-US" sz="5400" b="1" dirty="0">
-                <a:solidFill>
-                  <a:srgbClr val="660033"/>
-                </a:solidFill>
-              </a:rPr>
-              <a:t>( 1 )</a:t>
-            </a:r>
-            <a:endParaRPr lang="vi-VN" sz="5400" b="1" dirty="0">
+              <a:rPr lang="en-US" sz="4000" b="1" dirty="0">
+                <a:solidFill>
+                  <a:srgbClr val="660033"/>
+                </a:solidFill>
+              </a:rPr>
+              <a:t>( 1 / 4 )</a:t>
+            </a:r>
+            <a:endParaRPr lang="vi-VN" sz="4000" b="1" dirty="0">
               <a:solidFill>
                 <a:srgbClr val="660033"/>
               </a:solidFill>
@@ -5397,7 +5281,7 @@
         <p:spPr>
           <a:xfrm>
             <a:off x="0" y="5071885"/>
-            <a:ext cx="12192000" cy="923330"/>
+            <a:ext cx="12192000" cy="707886"/>
           </a:xfrm>
           <a:prstGeom prst="rect">
             <a:avLst/>
@@ -5412,14 +5296,14 @@
           <a:p>
             <a:pPr algn="ctr"/>
             <a:r>
-              <a:rPr lang="en-US" sz="5400" b="1" dirty="0">
-                <a:solidFill>
-                  <a:srgbClr val="660033"/>
-                </a:solidFill>
-              </a:rPr>
-              <a:t>( 1 )</a:t>
-            </a:r>
-            <a:endParaRPr lang="vi-VN" sz="5400" b="1" dirty="0">
+              <a:rPr lang="en-US" sz="4000" b="1" dirty="0">
+                <a:solidFill>
+                  <a:srgbClr val="660033"/>
+                </a:solidFill>
+              </a:rPr>
+              <a:t>( 1 / 4 )</a:t>
+            </a:r>
+            <a:endParaRPr lang="vi-VN" sz="4000" b="1" dirty="0">
               <a:solidFill>
                 <a:srgbClr val="660033"/>
               </a:solidFill>
@@ -5497,8 +5381,13 @@
                 <a:latin typeface="Microsoft JhengHei" panose="020B0604030504040204" pitchFamily="34" charset="-120"/>
                 <a:ea typeface="Microsoft JhengHei" panose="020B0604030504040204" pitchFamily="34" charset="-120"/>
               </a:rPr>
-              <a:t>信心使我得</a:t>
-            </a:r>
+              <a:t>信心使我得勝  信心使我得勝</a:t>
+            </a:r>
+          </a:p>
+          <a:p>
+            <a:pPr algn="ctr">
+              <a:buNone/>
+            </a:pPr>
             <a:r>
               <a:rPr lang="zh-TW" altLang="en-US" sz="6400" b="1" dirty="0">
                 <a:solidFill>
@@ -5507,52 +5396,7 @@
                 <a:latin typeface="Microsoft JhengHei" panose="020B0604030504040204" pitchFamily="34" charset="-120"/>
                 <a:ea typeface="Microsoft JhengHei" panose="020B0604030504040204" pitchFamily="34" charset="-120"/>
               </a:rPr>
-              <a:t>勝  信</a:t>
-            </a:r>
-            <a:r>
-              <a:rPr lang="zh-TW" altLang="en-US" sz="6400" b="1" dirty="0">
-                <a:solidFill>
-                  <a:srgbClr val="660033"/>
-                </a:solidFill>
-                <a:latin typeface="Microsoft JhengHei" panose="020B0604030504040204" pitchFamily="34" charset="-120"/>
-                <a:ea typeface="Microsoft JhengHei" panose="020B0604030504040204" pitchFamily="34" charset="-120"/>
-              </a:rPr>
-              <a:t>心使我得勝</a:t>
-            </a:r>
-          </a:p>
-          <a:p>
-            <a:pPr algn="ctr">
-              <a:buNone/>
-            </a:pPr>
-            <a:r>
-              <a:rPr lang="zh-TW" altLang="en-US" sz="6400" b="1" dirty="0">
-                <a:solidFill>
-                  <a:srgbClr val="660033"/>
-                </a:solidFill>
-                <a:latin typeface="Microsoft JhengHei" panose="020B0604030504040204" pitchFamily="34" charset="-120"/>
-                <a:ea typeface="Microsoft JhengHei" panose="020B0604030504040204" pitchFamily="34" charset="-120"/>
-              </a:rPr>
-              <a:t>呵奇妙的大得</a:t>
-            </a:r>
-            <a:r>
-              <a:rPr lang="zh-TW" altLang="en-US" sz="6400" b="1" dirty="0">
-                <a:solidFill>
-                  <a:srgbClr val="660033"/>
-                </a:solidFill>
-                <a:latin typeface="Microsoft JhengHei" panose="020B0604030504040204" pitchFamily="34" charset="-120"/>
-                <a:ea typeface="Microsoft JhengHei" panose="020B0604030504040204" pitchFamily="34" charset="-120"/>
-              </a:rPr>
-              <a:t>勝  信</a:t>
-            </a:r>
-            <a:r>
-              <a:rPr lang="zh-TW" altLang="en-US" sz="6400" b="1" dirty="0">
-                <a:solidFill>
-                  <a:srgbClr val="660033"/>
-                </a:solidFill>
-                <a:latin typeface="Microsoft JhengHei" panose="020B0604030504040204" pitchFamily="34" charset="-120"/>
-                <a:ea typeface="Microsoft JhengHei" panose="020B0604030504040204" pitchFamily="34" charset="-120"/>
-              </a:rPr>
-              <a:t>心可勝世界</a:t>
+              <a:t>呵奇妙的大得勝  信心可勝世界</a:t>
             </a:r>
           </a:p>
         </p:txBody>
@@ -5656,7 +5500,7 @@
         <p:spPr>
           <a:xfrm>
             <a:off x="0" y="5071885"/>
-            <a:ext cx="12192000" cy="923330"/>
+            <a:ext cx="12192000" cy="707886"/>
           </a:xfrm>
           <a:prstGeom prst="rect">
             <a:avLst/>
@@ -5671,14 +5515,30 @@
           <a:p>
             <a:pPr algn="ctr"/>
             <a:r>
-              <a:rPr lang="en-US" sz="5400" b="1" dirty="0">
-                <a:solidFill>
-                  <a:srgbClr val="660033"/>
-                </a:solidFill>
-              </a:rPr>
-              <a:t>( 2 )</a:t>
-            </a:r>
-            <a:endParaRPr lang="vi-VN" sz="5400" b="1" dirty="0">
+              <a:rPr lang="en-US" sz="4000" b="1" dirty="0">
+                <a:solidFill>
+                  <a:srgbClr val="660033"/>
+                </a:solidFill>
+              </a:rPr>
+              <a:t>( </a:t>
+            </a:r>
+            <a:r>
+              <a:rPr lang="en-US" sz="4000" b="1" dirty="0">
+                <a:solidFill>
+                  <a:srgbClr val="660033"/>
+                </a:solidFill>
+              </a:rPr>
+              <a:t>2 </a:t>
+            </a:r>
+            <a:r>
+              <a:rPr lang="en-US" sz="4000" b="1" dirty="0">
+                <a:solidFill>
+                  <a:srgbClr val="660033"/>
+                </a:solidFill>
+              </a:rPr>
+              <a:t>/ 4 )</a:t>
+            </a:r>
+            <a:endParaRPr lang="vi-VN" sz="4000" b="1" dirty="0">
               <a:solidFill>
                 <a:srgbClr val="660033"/>
               </a:solidFill>
@@ -5785,7 +5645,7 @@
         <p:spPr>
           <a:xfrm>
             <a:off x="0" y="5071885"/>
-            <a:ext cx="12192000" cy="923330"/>
+            <a:ext cx="12192000" cy="707886"/>
           </a:xfrm>
           <a:prstGeom prst="rect">
             <a:avLst/>
@@ -5800,14 +5660,14 @@
           <a:p>
             <a:pPr algn="ctr"/>
             <a:r>
-              <a:rPr lang="en-US" sz="5400" b="1" dirty="0">
-                <a:solidFill>
-                  <a:srgbClr val="660033"/>
-                </a:solidFill>
-              </a:rPr>
-              <a:t>( 2 )</a:t>
-            </a:r>
-            <a:endParaRPr lang="vi-VN" sz="5400" b="1" dirty="0">
+              <a:rPr lang="en-US" sz="4000" b="1" dirty="0">
+                <a:solidFill>
+                  <a:srgbClr val="660033"/>
+                </a:solidFill>
+              </a:rPr>
+              <a:t>( 2 / 4 )</a:t>
+            </a:r>
+            <a:endParaRPr lang="vi-VN" sz="4000" b="1" dirty="0">
               <a:solidFill>
                 <a:srgbClr val="660033"/>
               </a:solidFill>
@@ -5934,7 +5794,7 @@
         <p:spPr>
           <a:xfrm>
             <a:off x="0" y="5071885"/>
-            <a:ext cx="12192000" cy="923330"/>
+            <a:ext cx="12192000" cy="707886"/>
           </a:xfrm>
           <a:prstGeom prst="rect">
             <a:avLst/>
@@ -5949,14 +5809,14 @@
           <a:p>
             <a:pPr algn="ctr"/>
             <a:r>
-              <a:rPr lang="en-US" sz="5400" b="1" dirty="0">
-                <a:solidFill>
-                  <a:srgbClr val="660033"/>
-                </a:solidFill>
-              </a:rPr>
-              <a:t>( 2 )</a:t>
-            </a:r>
-            <a:endParaRPr lang="vi-VN" sz="5400" b="1" dirty="0">
+              <a:rPr lang="en-US" sz="4000" b="1" dirty="0">
+                <a:solidFill>
+                  <a:srgbClr val="660033"/>
+                </a:solidFill>
+              </a:rPr>
+              <a:t>( 2 / 4 )</a:t>
+            </a:r>
+            <a:endParaRPr lang="vi-VN" sz="4000" b="1" dirty="0">
               <a:solidFill>
                 <a:srgbClr val="660033"/>
               </a:solidFill>
